--- a/somethingelse/圖片編輯.pptx
+++ b/somethingelse/圖片編輯.pptx
@@ -105,6 +105,11 @@
       </a:defRPr>
     </a:lvl9pPr>
   </p:defaultTextStyle>
+  <p:extLst>
+    <p:ext uri="{EFAFB233-063F-42B5-8137-9DF3F51BA10A}">
+      <p15:sldGuideLst xmlns:p15="http://schemas.microsoft.com/office/powerpoint/2012/main"/>
+    </p:ext>
+  </p:extLst>
 </p:presentation>
 </file>
 
@@ -255,7 +260,7 @@
           <a:p>
             <a:fld id="{05288396-AB2A-4F6F-B991-E0D4585EE20B}" type="datetimeFigureOut">
               <a:rPr lang="zh-TW" altLang="en-US" smtClean="0"/>
-              <a:t>2025/11/9</a:t>
+              <a:t>2025/11/13</a:t>
             </a:fld>
             <a:endParaRPr lang="zh-TW" altLang="en-US"/>
           </a:p>
@@ -453,7 +458,7 @@
           <a:p>
             <a:fld id="{05288396-AB2A-4F6F-B991-E0D4585EE20B}" type="datetimeFigureOut">
               <a:rPr lang="zh-TW" altLang="en-US" smtClean="0"/>
-              <a:t>2025/11/9</a:t>
+              <a:t>2025/11/13</a:t>
             </a:fld>
             <a:endParaRPr lang="zh-TW" altLang="en-US"/>
           </a:p>
@@ -661,7 +666,7 @@
           <a:p>
             <a:fld id="{05288396-AB2A-4F6F-B991-E0D4585EE20B}" type="datetimeFigureOut">
               <a:rPr lang="zh-TW" altLang="en-US" smtClean="0"/>
-              <a:t>2025/11/9</a:t>
+              <a:t>2025/11/13</a:t>
             </a:fld>
             <a:endParaRPr lang="zh-TW" altLang="en-US"/>
           </a:p>
@@ -859,7 +864,7 @@
           <a:p>
             <a:fld id="{05288396-AB2A-4F6F-B991-E0D4585EE20B}" type="datetimeFigureOut">
               <a:rPr lang="zh-TW" altLang="en-US" smtClean="0"/>
-              <a:t>2025/11/9</a:t>
+              <a:t>2025/11/13</a:t>
             </a:fld>
             <a:endParaRPr lang="zh-TW" altLang="en-US"/>
           </a:p>
@@ -1134,7 +1139,7 @@
           <a:p>
             <a:fld id="{05288396-AB2A-4F6F-B991-E0D4585EE20B}" type="datetimeFigureOut">
               <a:rPr lang="zh-TW" altLang="en-US" smtClean="0"/>
-              <a:t>2025/11/9</a:t>
+              <a:t>2025/11/13</a:t>
             </a:fld>
             <a:endParaRPr lang="zh-TW" altLang="en-US"/>
           </a:p>
@@ -1399,7 +1404,7 @@
           <a:p>
             <a:fld id="{05288396-AB2A-4F6F-B991-E0D4585EE20B}" type="datetimeFigureOut">
               <a:rPr lang="zh-TW" altLang="en-US" smtClean="0"/>
-              <a:t>2025/11/9</a:t>
+              <a:t>2025/11/13</a:t>
             </a:fld>
             <a:endParaRPr lang="zh-TW" altLang="en-US"/>
           </a:p>
@@ -1811,7 +1816,7 @@
           <a:p>
             <a:fld id="{05288396-AB2A-4F6F-B991-E0D4585EE20B}" type="datetimeFigureOut">
               <a:rPr lang="zh-TW" altLang="en-US" smtClean="0"/>
-              <a:t>2025/11/9</a:t>
+              <a:t>2025/11/13</a:t>
             </a:fld>
             <a:endParaRPr lang="zh-TW" altLang="en-US"/>
           </a:p>
@@ -1952,7 +1957,7 @@
           <a:p>
             <a:fld id="{05288396-AB2A-4F6F-B991-E0D4585EE20B}" type="datetimeFigureOut">
               <a:rPr lang="zh-TW" altLang="en-US" smtClean="0"/>
-              <a:t>2025/11/9</a:t>
+              <a:t>2025/11/13</a:t>
             </a:fld>
             <a:endParaRPr lang="zh-TW" altLang="en-US"/>
           </a:p>
@@ -2065,7 +2070,7 @@
           <a:p>
             <a:fld id="{05288396-AB2A-4F6F-B991-E0D4585EE20B}" type="datetimeFigureOut">
               <a:rPr lang="zh-TW" altLang="en-US" smtClean="0"/>
-              <a:t>2025/11/9</a:t>
+              <a:t>2025/11/13</a:t>
             </a:fld>
             <a:endParaRPr lang="zh-TW" altLang="en-US"/>
           </a:p>
@@ -2376,7 +2381,7 @@
           <a:p>
             <a:fld id="{05288396-AB2A-4F6F-B991-E0D4585EE20B}" type="datetimeFigureOut">
               <a:rPr lang="zh-TW" altLang="en-US" smtClean="0"/>
-              <a:t>2025/11/9</a:t>
+              <a:t>2025/11/13</a:t>
             </a:fld>
             <a:endParaRPr lang="zh-TW" altLang="en-US"/>
           </a:p>
@@ -2664,7 +2669,7 @@
           <a:p>
             <a:fld id="{05288396-AB2A-4F6F-B991-E0D4585EE20B}" type="datetimeFigureOut">
               <a:rPr lang="zh-TW" altLang="en-US" smtClean="0"/>
-              <a:t>2025/11/9</a:t>
+              <a:t>2025/11/13</a:t>
             </a:fld>
             <a:endParaRPr lang="zh-TW" altLang="en-US"/>
           </a:p>
@@ -2905,7 +2910,7 @@
           <a:p>
             <a:fld id="{05288396-AB2A-4F6F-B991-E0D4585EE20B}" type="datetimeFigureOut">
               <a:rPr lang="zh-TW" altLang="en-US" smtClean="0"/>
-              <a:t>2025/11/9</a:t>
+              <a:t>2025/11/13</a:t>
             </a:fld>
             <a:endParaRPr lang="zh-TW" altLang="en-US"/>
           </a:p>
@@ -3452,7 +3457,7 @@
         </p:nvSpPr>
         <p:spPr>
           <a:xfrm>
-            <a:off x="-410966" y="3429000"/>
+            <a:off x="-500009" y="3475181"/>
             <a:ext cx="13192018" cy="3988942"/>
           </a:xfrm>
           <a:prstGeom prst="rect">
@@ -3480,7 +3485,7 @@
           <a:lstStyle/>
           <a:p>
             <a:pPr algn="ctr"/>
-            <a:endParaRPr lang="zh-TW" altLang="en-US"/>
+            <a:endParaRPr lang="zh-TW" altLang="en-US" dirty="0"/>
           </a:p>
         </p:txBody>
       </p:sp>
@@ -3498,8 +3503,8 @@
         </p:nvSpPr>
         <p:spPr>
           <a:xfrm>
-            <a:off x="1132114" y="3200401"/>
-            <a:ext cx="9666514" cy="3988942"/>
+            <a:off x="1496290" y="3749963"/>
+            <a:ext cx="8931565" cy="3439379"/>
           </a:xfrm>
           <a:prstGeom prst="ellipse">
             <a:avLst/>
@@ -3508,7 +3513,7 @@
             <a:noFill/>
           </a:ln>
           <a:effectLst>
-            <a:softEdge rad="317500"/>
+            <a:softEdge rad="635000"/>
           </a:effectLst>
         </p:spPr>
         <p:style>

--- a/somethingelse/圖片編輯.pptx
+++ b/somethingelse/圖片編輯.pptx
@@ -7,6 +7,8 @@
   <p:sldIdLst>
     <p:sldId id="256" r:id="rId2"/>
     <p:sldId id="257" r:id="rId3"/>
+    <p:sldId id="258" r:id="rId4"/>
+    <p:sldId id="259" r:id="rId5"/>
   </p:sldIdLst>
   <p:sldSz cx="12192000" cy="6858000"/>
   <p:notesSz cx="6858000" cy="9144000"/>
@@ -260,7 +262,7 @@
           <a:p>
             <a:fld id="{05288396-AB2A-4F6F-B991-E0D4585EE20B}" type="datetimeFigureOut">
               <a:rPr lang="zh-TW" altLang="en-US" smtClean="0"/>
-              <a:t>2025/11/13</a:t>
+              <a:t>2025/11/14</a:t>
             </a:fld>
             <a:endParaRPr lang="zh-TW" altLang="en-US"/>
           </a:p>
@@ -458,7 +460,7 @@
           <a:p>
             <a:fld id="{05288396-AB2A-4F6F-B991-E0D4585EE20B}" type="datetimeFigureOut">
               <a:rPr lang="zh-TW" altLang="en-US" smtClean="0"/>
-              <a:t>2025/11/13</a:t>
+              <a:t>2025/11/14</a:t>
             </a:fld>
             <a:endParaRPr lang="zh-TW" altLang="en-US"/>
           </a:p>
@@ -666,7 +668,7 @@
           <a:p>
             <a:fld id="{05288396-AB2A-4F6F-B991-E0D4585EE20B}" type="datetimeFigureOut">
               <a:rPr lang="zh-TW" altLang="en-US" smtClean="0"/>
-              <a:t>2025/11/13</a:t>
+              <a:t>2025/11/14</a:t>
             </a:fld>
             <a:endParaRPr lang="zh-TW" altLang="en-US"/>
           </a:p>
@@ -864,7 +866,7 @@
           <a:p>
             <a:fld id="{05288396-AB2A-4F6F-B991-E0D4585EE20B}" type="datetimeFigureOut">
               <a:rPr lang="zh-TW" altLang="en-US" smtClean="0"/>
-              <a:t>2025/11/13</a:t>
+              <a:t>2025/11/14</a:t>
             </a:fld>
             <a:endParaRPr lang="zh-TW" altLang="en-US"/>
           </a:p>
@@ -1139,7 +1141,7 @@
           <a:p>
             <a:fld id="{05288396-AB2A-4F6F-B991-E0D4585EE20B}" type="datetimeFigureOut">
               <a:rPr lang="zh-TW" altLang="en-US" smtClean="0"/>
-              <a:t>2025/11/13</a:t>
+              <a:t>2025/11/14</a:t>
             </a:fld>
             <a:endParaRPr lang="zh-TW" altLang="en-US"/>
           </a:p>
@@ -1404,7 +1406,7 @@
           <a:p>
             <a:fld id="{05288396-AB2A-4F6F-B991-E0D4585EE20B}" type="datetimeFigureOut">
               <a:rPr lang="zh-TW" altLang="en-US" smtClean="0"/>
-              <a:t>2025/11/13</a:t>
+              <a:t>2025/11/14</a:t>
             </a:fld>
             <a:endParaRPr lang="zh-TW" altLang="en-US"/>
           </a:p>
@@ -1816,7 +1818,7 @@
           <a:p>
             <a:fld id="{05288396-AB2A-4F6F-B991-E0D4585EE20B}" type="datetimeFigureOut">
               <a:rPr lang="zh-TW" altLang="en-US" smtClean="0"/>
-              <a:t>2025/11/13</a:t>
+              <a:t>2025/11/14</a:t>
             </a:fld>
             <a:endParaRPr lang="zh-TW" altLang="en-US"/>
           </a:p>
@@ -1957,7 +1959,7 @@
           <a:p>
             <a:fld id="{05288396-AB2A-4F6F-B991-E0D4585EE20B}" type="datetimeFigureOut">
               <a:rPr lang="zh-TW" altLang="en-US" smtClean="0"/>
-              <a:t>2025/11/13</a:t>
+              <a:t>2025/11/14</a:t>
             </a:fld>
             <a:endParaRPr lang="zh-TW" altLang="en-US"/>
           </a:p>
@@ -2070,7 +2072,7 @@
           <a:p>
             <a:fld id="{05288396-AB2A-4F6F-B991-E0D4585EE20B}" type="datetimeFigureOut">
               <a:rPr lang="zh-TW" altLang="en-US" smtClean="0"/>
-              <a:t>2025/11/13</a:t>
+              <a:t>2025/11/14</a:t>
             </a:fld>
             <a:endParaRPr lang="zh-TW" altLang="en-US"/>
           </a:p>
@@ -2381,7 +2383,7 @@
           <a:p>
             <a:fld id="{05288396-AB2A-4F6F-B991-E0D4585EE20B}" type="datetimeFigureOut">
               <a:rPr lang="zh-TW" altLang="en-US" smtClean="0"/>
-              <a:t>2025/11/13</a:t>
+              <a:t>2025/11/14</a:t>
             </a:fld>
             <a:endParaRPr lang="zh-TW" altLang="en-US"/>
           </a:p>
@@ -2669,7 +2671,7 @@
           <a:p>
             <a:fld id="{05288396-AB2A-4F6F-B991-E0D4585EE20B}" type="datetimeFigureOut">
               <a:rPr lang="zh-TW" altLang="en-US" smtClean="0"/>
-              <a:t>2025/11/13</a:t>
+              <a:t>2025/11/14</a:t>
             </a:fld>
             <a:endParaRPr lang="zh-TW" altLang="en-US"/>
           </a:p>
@@ -2910,7 +2912,7 @@
           <a:p>
             <a:fld id="{05288396-AB2A-4F6F-B991-E0D4585EE20B}" type="datetimeFigureOut">
               <a:rPr lang="zh-TW" altLang="en-US" smtClean="0"/>
-              <a:t>2025/11/13</a:t>
+              <a:t>2025/11/14</a:t>
             </a:fld>
             <a:endParaRPr lang="zh-TW" altLang="en-US"/>
           </a:p>
@@ -3601,6 +3603,149 @@
 </p:sld>
 </file>
 
+<file path=ppt/slides/slide3.xml><?xml version="1.0" encoding="utf-8"?>
+<p:sld xmlns:a="http://schemas.openxmlformats.org/drawingml/2006/main" xmlns:r="http://schemas.openxmlformats.org/officeDocument/2006/relationships" xmlns:p="http://schemas.openxmlformats.org/presentationml/2006/main">
+  <p:cSld>
+    <p:spTree>
+      <p:nvGrpSpPr>
+        <p:cNvPr id="1" name=""/>
+        <p:cNvGrpSpPr/>
+        <p:nvPr/>
+      </p:nvGrpSpPr>
+      <p:grpSpPr>
+        <a:xfrm>
+          <a:off x="0" y="0"/>
+          <a:ext cx="0" cy="0"/>
+          <a:chOff x="0" y="0"/>
+          <a:chExt cx="0" cy="0"/>
+        </a:xfrm>
+      </p:grpSpPr>
+      <p:sp>
+        <p:nvSpPr>
+          <p:cNvPr id="5" name="矩形 4">
+            <a:extLst>
+              <a:ext uri="{FF2B5EF4-FFF2-40B4-BE49-F238E27FC236}">
+                <a16:creationId xmlns:a16="http://schemas.microsoft.com/office/drawing/2014/main" id="{A657783C-16E8-9536-2DA6-5501086AA67B}"/>
+              </a:ext>
+            </a:extLst>
+          </p:cNvPr>
+          <p:cNvSpPr/>
+          <p:nvPr/>
+        </p:nvSpPr>
+        <p:spPr>
+          <a:xfrm>
+            <a:off x="-544945" y="-139135"/>
+            <a:ext cx="6640945" cy="7223425"/>
+          </a:xfrm>
+          <a:prstGeom prst="rect">
+            <a:avLst/>
+          </a:prstGeom>
+        </p:spPr>
+        <p:style>
+          <a:lnRef idx="2">
+            <a:schemeClr val="dk1">
+              <a:shade val="15000"/>
+            </a:schemeClr>
+          </a:lnRef>
+          <a:fillRef idx="1">
+            <a:schemeClr val="dk1"/>
+          </a:fillRef>
+          <a:effectRef idx="0">
+            <a:schemeClr val="dk1"/>
+          </a:effectRef>
+          <a:fontRef idx="minor">
+            <a:schemeClr val="lt1"/>
+          </a:fontRef>
+        </p:style>
+        <p:txBody>
+          <a:bodyPr rtlCol="0" anchor="ctr"/>
+          <a:lstStyle/>
+          <a:p>
+            <a:pPr algn="ctr"/>
+            <a:endParaRPr lang="zh-TW" altLang="en-US"/>
+          </a:p>
+        </p:txBody>
+      </p:sp>
+      <p:pic>
+        <p:nvPicPr>
+          <p:cNvPr id="4" name="圖片 3">
+            <a:extLst>
+              <a:ext uri="{FF2B5EF4-FFF2-40B4-BE49-F238E27FC236}">
+                <a16:creationId xmlns:a16="http://schemas.microsoft.com/office/drawing/2014/main" id="{3A92E376-D0F1-C6C4-0125-C3A64519693D}"/>
+              </a:ext>
+            </a:extLst>
+          </p:cNvPr>
+          <p:cNvPicPr>
+            <a:picLocks noChangeAspect="1"/>
+          </p:cNvPicPr>
+          <p:nvPr/>
+        </p:nvPicPr>
+        <p:blipFill>
+          <a:blip r:embed="rId2">
+            <a:alphaModFix amt="85000"/>
+            <a:extLst>
+              <a:ext uri="{28A0092B-C50C-407E-A947-70E740481C1C}">
+                <a14:useLocalDpi xmlns:a14="http://schemas.microsoft.com/office/drawing/2010/main" val="0"/>
+              </a:ext>
+            </a:extLst>
+          </a:blip>
+          <a:stretch>
+            <a:fillRect/>
+          </a:stretch>
+        </p:blipFill>
+        <p:spPr>
+          <a:xfrm>
+            <a:off x="0" y="54830"/>
+            <a:ext cx="12192000" cy="6748340"/>
+          </a:xfrm>
+          <a:prstGeom prst="rect">
+            <a:avLst/>
+          </a:prstGeom>
+        </p:spPr>
+      </p:pic>
+    </p:spTree>
+    <p:extLst>
+      <p:ext uri="{BB962C8B-B14F-4D97-AF65-F5344CB8AC3E}">
+        <p14:creationId xmlns:p14="http://schemas.microsoft.com/office/powerpoint/2010/main" val="2971121011"/>
+      </p:ext>
+    </p:extLst>
+  </p:cSld>
+  <p:clrMapOvr>
+    <a:masterClrMapping/>
+  </p:clrMapOvr>
+</p:sld>
+</file>
+
+<file path=ppt/slides/slide4.xml><?xml version="1.0" encoding="utf-8"?>
+<p:sld xmlns:a="http://schemas.openxmlformats.org/drawingml/2006/main" xmlns:r="http://schemas.openxmlformats.org/officeDocument/2006/relationships" xmlns:p="http://schemas.openxmlformats.org/presentationml/2006/main">
+  <p:cSld>
+    <p:spTree>
+      <p:nvGrpSpPr>
+        <p:cNvPr id="1" name=""/>
+        <p:cNvGrpSpPr/>
+        <p:nvPr/>
+      </p:nvGrpSpPr>
+      <p:grpSpPr>
+        <a:xfrm>
+          <a:off x="0" y="0"/>
+          <a:ext cx="0" cy="0"/>
+          <a:chOff x="0" y="0"/>
+          <a:chExt cx="0" cy="0"/>
+        </a:xfrm>
+      </p:grpSpPr>
+    </p:spTree>
+    <p:extLst>
+      <p:ext uri="{BB962C8B-B14F-4D97-AF65-F5344CB8AC3E}">
+        <p14:creationId xmlns:p14="http://schemas.microsoft.com/office/powerpoint/2010/main" val="1048929515"/>
+      </p:ext>
+    </p:extLst>
+  </p:cSld>
+  <p:clrMapOvr>
+    <a:masterClrMapping/>
+  </p:clrMapOvr>
+</p:sld>
+</file>
+
 <file path=ppt/theme/theme1.xml><?xml version="1.0" encoding="utf-8"?>
 <a:theme xmlns:a="http://schemas.openxmlformats.org/drawingml/2006/main" name="Office 佈景主題">
   <a:themeElements>

--- a/somethingelse/圖片編輯.pptx
+++ b/somethingelse/圖片編輯.pptx
@@ -9,6 +9,7 @@
     <p:sldId id="257" r:id="rId3"/>
     <p:sldId id="258" r:id="rId4"/>
     <p:sldId id="259" r:id="rId5"/>
+    <p:sldId id="260" r:id="rId6"/>
   </p:sldIdLst>
   <p:sldSz cx="12192000" cy="6858000"/>
   <p:notesSz cx="6858000" cy="9144000"/>
@@ -262,7 +263,7 @@
           <a:p>
             <a:fld id="{05288396-AB2A-4F6F-B991-E0D4585EE20B}" type="datetimeFigureOut">
               <a:rPr lang="zh-TW" altLang="en-US" smtClean="0"/>
-              <a:t>2025/11/14</a:t>
+              <a:t>2025/11/15</a:t>
             </a:fld>
             <a:endParaRPr lang="zh-TW" altLang="en-US"/>
           </a:p>
@@ -460,7 +461,7 @@
           <a:p>
             <a:fld id="{05288396-AB2A-4F6F-B991-E0D4585EE20B}" type="datetimeFigureOut">
               <a:rPr lang="zh-TW" altLang="en-US" smtClean="0"/>
-              <a:t>2025/11/14</a:t>
+              <a:t>2025/11/15</a:t>
             </a:fld>
             <a:endParaRPr lang="zh-TW" altLang="en-US"/>
           </a:p>
@@ -668,7 +669,7 @@
           <a:p>
             <a:fld id="{05288396-AB2A-4F6F-B991-E0D4585EE20B}" type="datetimeFigureOut">
               <a:rPr lang="zh-TW" altLang="en-US" smtClean="0"/>
-              <a:t>2025/11/14</a:t>
+              <a:t>2025/11/15</a:t>
             </a:fld>
             <a:endParaRPr lang="zh-TW" altLang="en-US"/>
           </a:p>
@@ -866,7 +867,7 @@
           <a:p>
             <a:fld id="{05288396-AB2A-4F6F-B991-E0D4585EE20B}" type="datetimeFigureOut">
               <a:rPr lang="zh-TW" altLang="en-US" smtClean="0"/>
-              <a:t>2025/11/14</a:t>
+              <a:t>2025/11/15</a:t>
             </a:fld>
             <a:endParaRPr lang="zh-TW" altLang="en-US"/>
           </a:p>
@@ -1141,7 +1142,7 @@
           <a:p>
             <a:fld id="{05288396-AB2A-4F6F-B991-E0D4585EE20B}" type="datetimeFigureOut">
               <a:rPr lang="zh-TW" altLang="en-US" smtClean="0"/>
-              <a:t>2025/11/14</a:t>
+              <a:t>2025/11/15</a:t>
             </a:fld>
             <a:endParaRPr lang="zh-TW" altLang="en-US"/>
           </a:p>
@@ -1406,7 +1407,7 @@
           <a:p>
             <a:fld id="{05288396-AB2A-4F6F-B991-E0D4585EE20B}" type="datetimeFigureOut">
               <a:rPr lang="zh-TW" altLang="en-US" smtClean="0"/>
-              <a:t>2025/11/14</a:t>
+              <a:t>2025/11/15</a:t>
             </a:fld>
             <a:endParaRPr lang="zh-TW" altLang="en-US"/>
           </a:p>
@@ -1818,7 +1819,7 @@
           <a:p>
             <a:fld id="{05288396-AB2A-4F6F-B991-E0D4585EE20B}" type="datetimeFigureOut">
               <a:rPr lang="zh-TW" altLang="en-US" smtClean="0"/>
-              <a:t>2025/11/14</a:t>
+              <a:t>2025/11/15</a:t>
             </a:fld>
             <a:endParaRPr lang="zh-TW" altLang="en-US"/>
           </a:p>
@@ -1959,7 +1960,7 @@
           <a:p>
             <a:fld id="{05288396-AB2A-4F6F-B991-E0D4585EE20B}" type="datetimeFigureOut">
               <a:rPr lang="zh-TW" altLang="en-US" smtClean="0"/>
-              <a:t>2025/11/14</a:t>
+              <a:t>2025/11/15</a:t>
             </a:fld>
             <a:endParaRPr lang="zh-TW" altLang="en-US"/>
           </a:p>
@@ -2072,7 +2073,7 @@
           <a:p>
             <a:fld id="{05288396-AB2A-4F6F-B991-E0D4585EE20B}" type="datetimeFigureOut">
               <a:rPr lang="zh-TW" altLang="en-US" smtClean="0"/>
-              <a:t>2025/11/14</a:t>
+              <a:t>2025/11/15</a:t>
             </a:fld>
             <a:endParaRPr lang="zh-TW" altLang="en-US"/>
           </a:p>
@@ -2383,7 +2384,7 @@
           <a:p>
             <a:fld id="{05288396-AB2A-4F6F-B991-E0D4585EE20B}" type="datetimeFigureOut">
               <a:rPr lang="zh-TW" altLang="en-US" smtClean="0"/>
-              <a:t>2025/11/14</a:t>
+              <a:t>2025/11/15</a:t>
             </a:fld>
             <a:endParaRPr lang="zh-TW" altLang="en-US"/>
           </a:p>
@@ -2671,7 +2672,7 @@
           <a:p>
             <a:fld id="{05288396-AB2A-4F6F-B991-E0D4585EE20B}" type="datetimeFigureOut">
               <a:rPr lang="zh-TW" altLang="en-US" smtClean="0"/>
-              <a:t>2025/11/14</a:t>
+              <a:t>2025/11/15</a:t>
             </a:fld>
             <a:endParaRPr lang="zh-TW" altLang="en-US"/>
           </a:p>
@@ -2912,7 +2913,7 @@
           <a:p>
             <a:fld id="{05288396-AB2A-4F6F-B991-E0D4585EE20B}" type="datetimeFigureOut">
               <a:rPr lang="zh-TW" altLang="en-US" smtClean="0"/>
-              <a:t>2025/11/14</a:t>
+              <a:t>2025/11/15</a:t>
             </a:fld>
             <a:endParaRPr lang="zh-TW" altLang="en-US"/>
           </a:p>
@@ -3733,10 +3734,113 @@
           <a:chExt cx="0" cy="0"/>
         </a:xfrm>
       </p:grpSpPr>
+      <p:pic>
+        <p:nvPicPr>
+          <p:cNvPr id="3" name="圖片 2">
+            <a:extLst>
+              <a:ext uri="{FF2B5EF4-FFF2-40B4-BE49-F238E27FC236}">
+                <a16:creationId xmlns:a16="http://schemas.microsoft.com/office/drawing/2014/main" id="{EB0FD064-36A5-867F-5816-18C63364E062}"/>
+              </a:ext>
+            </a:extLst>
+          </p:cNvPr>
+          <p:cNvPicPr>
+            <a:picLocks noChangeAspect="1"/>
+          </p:cNvPicPr>
+          <p:nvPr/>
+        </p:nvPicPr>
+        <p:blipFill>
+          <a:blip r:embed="rId2">
+            <a:extLst>
+              <a:ext uri="{28A0092B-C50C-407E-A947-70E740481C1C}">
+                <a14:useLocalDpi xmlns:a14="http://schemas.microsoft.com/office/drawing/2010/main" val="0"/>
+              </a:ext>
+            </a:extLst>
+          </a:blip>
+          <a:stretch>
+            <a:fillRect/>
+          </a:stretch>
+        </p:blipFill>
+        <p:spPr>
+          <a:xfrm>
+            <a:off x="-195209" y="30480"/>
+            <a:ext cx="12192000" cy="6827520"/>
+          </a:xfrm>
+          <a:prstGeom prst="rect">
+            <a:avLst/>
+          </a:prstGeom>
+        </p:spPr>
+      </p:pic>
     </p:spTree>
     <p:extLst>
       <p:ext uri="{BB962C8B-B14F-4D97-AF65-F5344CB8AC3E}">
         <p14:creationId xmlns:p14="http://schemas.microsoft.com/office/powerpoint/2010/main" val="1048929515"/>
+      </p:ext>
+    </p:extLst>
+  </p:cSld>
+  <p:clrMapOvr>
+    <a:masterClrMapping/>
+  </p:clrMapOvr>
+</p:sld>
+</file>
+
+<file path=ppt/slides/slide5.xml><?xml version="1.0" encoding="utf-8"?>
+<p:sld xmlns:a="http://schemas.openxmlformats.org/drawingml/2006/main" xmlns:r="http://schemas.openxmlformats.org/officeDocument/2006/relationships" xmlns:p="http://schemas.openxmlformats.org/presentationml/2006/main">
+  <p:cSld>
+    <p:spTree>
+      <p:nvGrpSpPr>
+        <p:cNvPr id="1" name=""/>
+        <p:cNvGrpSpPr/>
+        <p:nvPr/>
+      </p:nvGrpSpPr>
+      <p:grpSpPr>
+        <a:xfrm>
+          <a:off x="0" y="0"/>
+          <a:ext cx="0" cy="0"/>
+          <a:chOff x="0" y="0"/>
+          <a:chExt cx="0" cy="0"/>
+        </a:xfrm>
+      </p:grpSpPr>
+      <p:pic>
+        <p:nvPicPr>
+          <p:cNvPr id="2" name="圖片 1">
+            <a:extLst>
+              <a:ext uri="{FF2B5EF4-FFF2-40B4-BE49-F238E27FC236}">
+                <a16:creationId xmlns:a16="http://schemas.microsoft.com/office/drawing/2014/main" id="{0F64FE35-6234-61F8-7245-E40A8F3A6534}"/>
+              </a:ext>
+            </a:extLst>
+          </p:cNvPr>
+          <p:cNvPicPr>
+            <a:picLocks noChangeAspect="1"/>
+          </p:cNvPicPr>
+          <p:nvPr/>
+        </p:nvPicPr>
+        <p:blipFill>
+          <a:blip r:embed="rId2">
+            <a:extLst>
+              <a:ext uri="{28A0092B-C50C-407E-A947-70E740481C1C}">
+                <a14:useLocalDpi xmlns:a14="http://schemas.microsoft.com/office/drawing/2010/main" val="0"/>
+              </a:ext>
+            </a:extLst>
+          </a:blip>
+          <a:srcRect l="27472" t="21223" r="28371" b="27914"/>
+          <a:stretch>
+            <a:fillRect/>
+          </a:stretch>
+        </p:blipFill>
+        <p:spPr>
+          <a:xfrm>
+            <a:off x="2342506" y="2650732"/>
+            <a:ext cx="5383659" cy="3472665"/>
+          </a:xfrm>
+          <a:prstGeom prst="rect">
+            <a:avLst/>
+          </a:prstGeom>
+        </p:spPr>
+      </p:pic>
+    </p:spTree>
+    <p:extLst>
+      <p:ext uri="{BB962C8B-B14F-4D97-AF65-F5344CB8AC3E}">
+        <p14:creationId xmlns:p14="http://schemas.microsoft.com/office/powerpoint/2010/main" val="4217640843"/>
       </p:ext>
     </p:extLst>
   </p:cSld>
